--- a/Primeiros Passos - Análise de dados.pptx
+++ b/Primeiros Passos - Análise de dados.pptx
@@ -11333,10 +11333,10 @@
       </p:sp>
       <p:pic>
         <p:nvPicPr>
-          <p:cNvPr id="7" name="Imagem 6">
-            <a:extLst>
-              <a:ext uri="{FF2B5EF4-FFF2-40B4-BE49-F238E27FC236}">
-                <a16:creationId xmlns:a16="http://schemas.microsoft.com/office/drawing/2014/main" id="{1CDB9AB7-2353-4337-8275-AC9CE1E049EB}"/>
+          <p:cNvPr id="5" name="Imagem 4">
+            <a:extLst>
+              <a:ext uri="{FF2B5EF4-FFF2-40B4-BE49-F238E27FC236}">
+                <a16:creationId xmlns:a16="http://schemas.microsoft.com/office/drawing/2014/main" id="{2DBEF295-5492-4736-BEE7-9AC649ED2B6A}"/>
               </a:ext>
             </a:extLst>
           </p:cNvPr>
@@ -11353,34 +11353,20 @@
         </p:blipFill>
         <p:spPr>
           <a:xfrm>
-            <a:off x="1400907" y="2047782"/>
-            <a:ext cx="9390185" cy="4635240"/>
+            <a:off x="1598502" y="1986312"/>
+            <a:ext cx="8994996" cy="4608947"/>
           </a:xfrm>
           <a:prstGeom prst="rect">
             <a:avLst/>
           </a:prstGeom>
-          <a:ln w="38100" cap="sq">
-            <a:solidFill>
-              <a:srgbClr val="000000"/>
-            </a:solidFill>
-            <a:prstDash val="solid"/>
-            <a:miter lim="800000"/>
-          </a:ln>
-          <a:effectLst>
-            <a:outerShdw blurRad="50800" dist="38100" dir="2700000" algn="tl" rotWithShape="0">
-              <a:srgbClr val="000000">
-                <a:alpha val="43000"/>
-              </a:srgbClr>
-            </a:outerShdw>
-          </a:effectLst>
         </p:spPr>
       </p:pic>
       <p:sp>
         <p:nvSpPr>
-          <p:cNvPr id="8" name="Seta: para a Direita 7">
-            <a:extLst>
-              <a:ext uri="{FF2B5EF4-FFF2-40B4-BE49-F238E27FC236}">
-                <a16:creationId xmlns:a16="http://schemas.microsoft.com/office/drawing/2014/main" id="{DE9A14A0-6816-48C8-A7A3-D68C130CE4D7}"/>
+          <p:cNvPr id="9" name="Seta: para a Direita 8">
+            <a:extLst>
+              <a:ext uri="{FF2B5EF4-FFF2-40B4-BE49-F238E27FC236}">
+                <a16:creationId xmlns:a16="http://schemas.microsoft.com/office/drawing/2014/main" id="{4F315088-DA74-4188-845D-C75DBB1B278E}"/>
               </a:ext>
             </a:extLst>
           </p:cNvPr>
@@ -11389,7 +11375,7 @@
         </p:nvSpPr>
         <p:spPr>
           <a:xfrm flipH="1">
-            <a:off x="6734907" y="4680072"/>
+            <a:off x="7112859" y="4840818"/>
             <a:ext cx="844063" cy="384297"/>
           </a:xfrm>
           <a:prstGeom prst="rightArrow">

--- a/Primeiros Passos - Análise de dados.pptx
+++ b/Primeiros Passos - Análise de dados.pptx
@@ -8,7 +8,7 @@
     <p:notesMasterId r:id="rId25"/>
   </p:notesMasterIdLst>
   <p:sldIdLst>
-    <p:sldId id="256" r:id="rId2"/>
+    <p:sldId id="295" r:id="rId2"/>
     <p:sldId id="257" r:id="rId3"/>
     <p:sldId id="277" r:id="rId4"/>
     <p:sldId id="278" r:id="rId5"/>
@@ -3990,34 +3990,101 @@
           <a:chExt cx="0" cy="0"/>
         </a:xfrm>
       </p:grpSpPr>
+      <p:pic>
+        <p:nvPicPr>
+          <p:cNvPr id="3074" name="Picture 2">
+            <a:extLst>
+              <a:ext uri="{FF2B5EF4-FFF2-40B4-BE49-F238E27FC236}">
+                <a16:creationId xmlns:a16="http://schemas.microsoft.com/office/drawing/2014/main" id="{AD675637-D0F1-4AA3-95D6-55331DA08246}"/>
+              </a:ext>
+            </a:extLst>
+          </p:cNvPr>
+          <p:cNvPicPr>
+            <a:picLocks noChangeAspect="1" noChangeArrowheads="1"/>
+          </p:cNvPicPr>
+          <p:nvPr/>
+        </p:nvPicPr>
+        <p:blipFill>
+          <a:blip r:embed="rId2">
+            <a:extLst>
+              <a:ext uri="{28A0092B-C50C-407E-A947-70E740481C1C}">
+                <a14:useLocalDpi xmlns:a14="http://schemas.microsoft.com/office/drawing/2010/main" val="0"/>
+              </a:ext>
+            </a:extLst>
+          </a:blip>
+          <a:srcRect/>
+          <a:stretch>
+            <a:fillRect/>
+          </a:stretch>
+        </p:blipFill>
+        <p:spPr bwMode="auto">
+          <a:xfrm>
+            <a:off x="0" y="0"/>
+            <a:ext cx="12192000" cy="6858000"/>
+          </a:xfrm>
+          <a:prstGeom prst="rect">
+            <a:avLst/>
+          </a:prstGeom>
+          <a:noFill/>
+          <a:extLst>
+            <a:ext uri="{909E8E84-426E-40DD-AFC4-6F175D3DCCD1}">
+              <a14:hiddenFill xmlns:a14="http://schemas.microsoft.com/office/drawing/2010/main">
+                <a:solidFill>
+                  <a:srgbClr val="FFFFFF"/>
+                </a:solidFill>
+              </a14:hiddenFill>
+            </a:ext>
+          </a:extLst>
+        </p:spPr>
+      </p:pic>
       <p:sp>
         <p:nvSpPr>
-          <p:cNvPr id="2" name="Título 1">
-            <a:extLst>
-              <a:ext uri="{FF2B5EF4-FFF2-40B4-BE49-F238E27FC236}">
-                <a16:creationId xmlns:a16="http://schemas.microsoft.com/office/drawing/2014/main" id="{35D42C00-BEDA-4090-82E2-FD67560221D4}"/>
-              </a:ext>
-            </a:extLst>
-          </p:cNvPr>
-          <p:cNvSpPr>
-            <a:spLocks noGrp="1"/>
+          <p:cNvPr id="3" name="Título 1">
+            <a:extLst>
+              <a:ext uri="{FF2B5EF4-FFF2-40B4-BE49-F238E27FC236}">
+                <a16:creationId xmlns:a16="http://schemas.microsoft.com/office/drawing/2014/main" id="{6E39D839-0DC6-400A-BCEC-66F812FCEE2C}"/>
+              </a:ext>
+            </a:extLst>
+          </p:cNvPr>
+          <p:cNvSpPr txBox="1">
+            <a:spLocks/>
           </p:cNvSpPr>
-          <p:nvPr>
-            <p:ph type="ctrTitle"/>
-          </p:nvPr>
+          <p:nvPr/>
         </p:nvSpPr>
         <p:spPr>
           <a:xfrm>
             <a:off x="1524000" y="2748936"/>
             <a:ext cx="9144000" cy="1360128"/>
           </a:xfrm>
+          <a:prstGeom prst="rect">
+            <a:avLst/>
+          </a:prstGeom>
         </p:spPr>
         <p:txBody>
           <a:bodyPr>
             <a:normAutofit/>
           </a:bodyPr>
-          <a:lstStyle/>
-          <a:p>
+          <a:lstStyle>
+            <a:lvl1pPr algn="l" defTabSz="914400" rtl="0" eaLnBrk="1" latinLnBrk="0" hangingPunct="1">
+              <a:lnSpc>
+                <a:spcPct val="90000"/>
+              </a:lnSpc>
+              <a:spcBef>
+                <a:spcPct val="0"/>
+              </a:spcBef>
+              <a:buNone/>
+              <a:defRPr sz="4400" kern="1200">
+                <a:solidFill>
+                  <a:schemeClr val="tx1"/>
+                </a:solidFill>
+                <a:latin typeface="+mj-lt"/>
+                <a:ea typeface="+mj-ea"/>
+                <a:cs typeface="+mj-cs"/>
+              </a:defRPr>
+            </a:lvl1pPr>
+          </a:lstStyle>
+          <a:p>
+            <a:pPr algn="ctr"/>
             <a:r>
               <a:rPr lang="pt-BR" sz="4000" b="1" dirty="0"/>
               <a:t>ANÁLISE DE DADOS PARA PESQUISAS EM ORIENTAÇÃO PROFISSIONAL E DE CARREIRA</a:t>
@@ -4027,38 +4094,208 @@
       </p:sp>
       <p:sp>
         <p:nvSpPr>
-          <p:cNvPr id="3" name="Subtítulo 2">
-            <a:extLst>
-              <a:ext uri="{FF2B5EF4-FFF2-40B4-BE49-F238E27FC236}">
-                <a16:creationId xmlns:a16="http://schemas.microsoft.com/office/drawing/2014/main" id="{083983B2-401D-4546-BC4B-0D437AAAAE2C}"/>
-              </a:ext>
-            </a:extLst>
-          </p:cNvPr>
-          <p:cNvSpPr>
-            <a:spLocks noGrp="1"/>
+          <p:cNvPr id="4" name="Subtítulo 2">
+            <a:extLst>
+              <a:ext uri="{FF2B5EF4-FFF2-40B4-BE49-F238E27FC236}">
+                <a16:creationId xmlns:a16="http://schemas.microsoft.com/office/drawing/2014/main" id="{5D786E5E-E560-47C7-B9B2-821D77AA8782}"/>
+              </a:ext>
+            </a:extLst>
+          </p:cNvPr>
+          <p:cNvSpPr txBox="1">
+            <a:spLocks/>
           </p:cNvSpPr>
-          <p:nvPr>
-            <p:ph type="subTitle" idx="1"/>
-          </p:nvPr>
+          <p:nvPr/>
         </p:nvSpPr>
         <p:spPr>
           <a:xfrm>
-            <a:off x="3974489" y="4467162"/>
+            <a:off x="3974489" y="4396824"/>
             <a:ext cx="4243021" cy="550498"/>
           </a:xfrm>
+          <a:prstGeom prst="rect">
+            <a:avLst/>
+          </a:prstGeom>
         </p:spPr>
         <p:txBody>
           <a:bodyPr>
             <a:noAutofit/>
           </a:bodyPr>
-          <a:lstStyle/>
-          <a:p>
+          <a:lstStyle>
+            <a:lvl1pPr marL="228600" indent="-228600" algn="l" defTabSz="914400" rtl="0" eaLnBrk="1" latinLnBrk="0" hangingPunct="1">
+              <a:lnSpc>
+                <a:spcPct val="90000"/>
+              </a:lnSpc>
+              <a:spcBef>
+                <a:spcPts val="1000"/>
+              </a:spcBef>
+              <a:buFont typeface="Arial" panose="020B0604020202020204" pitchFamily="34" charset="0"/>
+              <a:buChar char="•"/>
+              <a:defRPr sz="2800" kern="1200">
+                <a:solidFill>
+                  <a:schemeClr val="tx1"/>
+                </a:solidFill>
+                <a:latin typeface="+mn-lt"/>
+                <a:ea typeface="+mn-ea"/>
+                <a:cs typeface="+mn-cs"/>
+              </a:defRPr>
+            </a:lvl1pPr>
+            <a:lvl2pPr marL="685800" indent="-228600" algn="l" defTabSz="914400" rtl="0" eaLnBrk="1" latinLnBrk="0" hangingPunct="1">
+              <a:lnSpc>
+                <a:spcPct val="90000"/>
+              </a:lnSpc>
+              <a:spcBef>
+                <a:spcPts val="500"/>
+              </a:spcBef>
+              <a:buFont typeface="Arial" panose="020B0604020202020204" pitchFamily="34" charset="0"/>
+              <a:buChar char="•"/>
+              <a:defRPr sz="2400" kern="1200">
+                <a:solidFill>
+                  <a:schemeClr val="tx1"/>
+                </a:solidFill>
+                <a:latin typeface="+mn-lt"/>
+                <a:ea typeface="+mn-ea"/>
+                <a:cs typeface="+mn-cs"/>
+              </a:defRPr>
+            </a:lvl2pPr>
+            <a:lvl3pPr marL="1143000" indent="-228600" algn="l" defTabSz="914400" rtl="0" eaLnBrk="1" latinLnBrk="0" hangingPunct="1">
+              <a:lnSpc>
+                <a:spcPct val="90000"/>
+              </a:lnSpc>
+              <a:spcBef>
+                <a:spcPts val="500"/>
+              </a:spcBef>
+              <a:buFont typeface="Arial" panose="020B0604020202020204" pitchFamily="34" charset="0"/>
+              <a:buChar char="•"/>
+              <a:defRPr sz="2000" kern="1200">
+                <a:solidFill>
+                  <a:schemeClr val="tx1"/>
+                </a:solidFill>
+                <a:latin typeface="+mn-lt"/>
+                <a:ea typeface="+mn-ea"/>
+                <a:cs typeface="+mn-cs"/>
+              </a:defRPr>
+            </a:lvl3pPr>
+            <a:lvl4pPr marL="1600200" indent="-228600" algn="l" defTabSz="914400" rtl="0" eaLnBrk="1" latinLnBrk="0" hangingPunct="1">
+              <a:lnSpc>
+                <a:spcPct val="90000"/>
+              </a:lnSpc>
+              <a:spcBef>
+                <a:spcPts val="500"/>
+              </a:spcBef>
+              <a:buFont typeface="Arial" panose="020B0604020202020204" pitchFamily="34" charset="0"/>
+              <a:buChar char="•"/>
+              <a:defRPr sz="1800" kern="1200">
+                <a:solidFill>
+                  <a:schemeClr val="tx1"/>
+                </a:solidFill>
+                <a:latin typeface="+mn-lt"/>
+                <a:ea typeface="+mn-ea"/>
+                <a:cs typeface="+mn-cs"/>
+              </a:defRPr>
+            </a:lvl4pPr>
+            <a:lvl5pPr marL="2057400" indent="-228600" algn="l" defTabSz="914400" rtl="0" eaLnBrk="1" latinLnBrk="0" hangingPunct="1">
+              <a:lnSpc>
+                <a:spcPct val="90000"/>
+              </a:lnSpc>
+              <a:spcBef>
+                <a:spcPts val="500"/>
+              </a:spcBef>
+              <a:buFont typeface="Arial" panose="020B0604020202020204" pitchFamily="34" charset="0"/>
+              <a:buChar char="•"/>
+              <a:defRPr sz="1800" kern="1200">
+                <a:solidFill>
+                  <a:schemeClr val="tx1"/>
+                </a:solidFill>
+                <a:latin typeface="+mn-lt"/>
+                <a:ea typeface="+mn-ea"/>
+                <a:cs typeface="+mn-cs"/>
+              </a:defRPr>
+            </a:lvl5pPr>
+            <a:lvl6pPr marL="2514600" indent="-228600" algn="l" defTabSz="914400" rtl="0" eaLnBrk="1" latinLnBrk="0" hangingPunct="1">
+              <a:lnSpc>
+                <a:spcPct val="90000"/>
+              </a:lnSpc>
+              <a:spcBef>
+                <a:spcPts val="500"/>
+              </a:spcBef>
+              <a:buFont typeface="Arial" panose="020B0604020202020204" pitchFamily="34" charset="0"/>
+              <a:buChar char="•"/>
+              <a:defRPr sz="1800" kern="1200">
+                <a:solidFill>
+                  <a:schemeClr val="tx1"/>
+                </a:solidFill>
+                <a:latin typeface="+mn-lt"/>
+                <a:ea typeface="+mn-ea"/>
+                <a:cs typeface="+mn-cs"/>
+              </a:defRPr>
+            </a:lvl6pPr>
+            <a:lvl7pPr marL="2971800" indent="-228600" algn="l" defTabSz="914400" rtl="0" eaLnBrk="1" latinLnBrk="0" hangingPunct="1">
+              <a:lnSpc>
+                <a:spcPct val="90000"/>
+              </a:lnSpc>
+              <a:spcBef>
+                <a:spcPts val="500"/>
+              </a:spcBef>
+              <a:buFont typeface="Arial" panose="020B0604020202020204" pitchFamily="34" charset="0"/>
+              <a:buChar char="•"/>
+              <a:defRPr sz="1800" kern="1200">
+                <a:solidFill>
+                  <a:schemeClr val="tx1"/>
+                </a:solidFill>
+                <a:latin typeface="+mn-lt"/>
+                <a:ea typeface="+mn-ea"/>
+                <a:cs typeface="+mn-cs"/>
+              </a:defRPr>
+            </a:lvl7pPr>
+            <a:lvl8pPr marL="3429000" indent="-228600" algn="l" defTabSz="914400" rtl="0" eaLnBrk="1" latinLnBrk="0" hangingPunct="1">
+              <a:lnSpc>
+                <a:spcPct val="90000"/>
+              </a:lnSpc>
+              <a:spcBef>
+                <a:spcPts val="500"/>
+              </a:spcBef>
+              <a:buFont typeface="Arial" panose="020B0604020202020204" pitchFamily="34" charset="0"/>
+              <a:buChar char="•"/>
+              <a:defRPr sz="1800" kern="1200">
+                <a:solidFill>
+                  <a:schemeClr val="tx1"/>
+                </a:solidFill>
+                <a:latin typeface="+mn-lt"/>
+                <a:ea typeface="+mn-ea"/>
+                <a:cs typeface="+mn-cs"/>
+              </a:defRPr>
+            </a:lvl8pPr>
+            <a:lvl9pPr marL="3886200" indent="-228600" algn="l" defTabSz="914400" rtl="0" eaLnBrk="1" latinLnBrk="0" hangingPunct="1">
+              <a:lnSpc>
+                <a:spcPct val="90000"/>
+              </a:lnSpc>
+              <a:spcBef>
+                <a:spcPts val="500"/>
+              </a:spcBef>
+              <a:buFont typeface="Arial" panose="020B0604020202020204" pitchFamily="34" charset="0"/>
+              <a:buChar char="•"/>
+              <a:defRPr sz="1800" kern="1200">
+                <a:solidFill>
+                  <a:schemeClr val="tx1"/>
+                </a:solidFill>
+                <a:latin typeface="+mn-lt"/>
+                <a:ea typeface="+mn-ea"/>
+                <a:cs typeface="+mn-cs"/>
+              </a:defRPr>
+            </a:lvl9pPr>
+          </a:lstStyle>
+          <a:p>
+            <a:pPr marL="0" indent="0" algn="ctr">
+              <a:buNone/>
+            </a:pPr>
             <a:r>
               <a:rPr lang="pt-BR" sz="2500" dirty="0"/>
               <a:t>Gustavo Henrique Martins</a:t>
             </a:r>
           </a:p>
           <a:p>
+            <a:pPr marL="0" indent="0" algn="ctr">
+              <a:buNone/>
+            </a:pPr>
             <a:r>
               <a:rPr lang="pt-BR" sz="2000" i="1" dirty="0"/>
               <a:t>Universidade São Franciso</a:t>
@@ -4068,40 +4305,10 @@
       </p:sp>
       <p:pic>
         <p:nvPicPr>
-          <p:cNvPr id="8" name="Imagem 7">
-            <a:extLst>
-              <a:ext uri="{FF2B5EF4-FFF2-40B4-BE49-F238E27FC236}">
-                <a16:creationId xmlns:a16="http://schemas.microsoft.com/office/drawing/2014/main" id="{46631424-DBAE-4CDF-B64A-907C4D381B02}"/>
-              </a:ext>
-            </a:extLst>
-          </p:cNvPr>
-          <p:cNvPicPr>
-            <a:picLocks noChangeAspect="1"/>
-          </p:cNvPicPr>
-          <p:nvPr/>
-        </p:nvPicPr>
-        <p:blipFill>
-          <a:blip r:embed="rId2"/>
-          <a:stretch>
-            <a:fillRect/>
-          </a:stretch>
-        </p:blipFill>
-        <p:spPr>
-          <a:xfrm>
-            <a:off x="3274036" y="143832"/>
-            <a:ext cx="5643928" cy="2228628"/>
-          </a:xfrm>
-          <a:prstGeom prst="rect">
-            <a:avLst/>
-          </a:prstGeom>
-        </p:spPr>
-      </p:pic>
-      <p:pic>
-        <p:nvPicPr>
-          <p:cNvPr id="11" name="Picture 2" descr="Structural equation modeling in psychology: concepts and applications">
-            <a:extLst>
-              <a:ext uri="{FF2B5EF4-FFF2-40B4-BE49-F238E27FC236}">
-                <a16:creationId xmlns:a16="http://schemas.microsoft.com/office/drawing/2014/main" id="{6E0818AB-7BE3-41C4-90C3-D2FC433835FD}"/>
+          <p:cNvPr id="5" name="Picture 2" descr="Structural equation modeling in psychology: concepts and applications">
+            <a:extLst>
+              <a:ext uri="{FF2B5EF4-FFF2-40B4-BE49-F238E27FC236}">
+                <a16:creationId xmlns:a16="http://schemas.microsoft.com/office/drawing/2014/main" id="{54B3F6F6-2EBF-419B-A704-81C775A54797}"/>
               </a:ext>
             </a:extLst>
           </p:cNvPr>
@@ -4156,10 +4363,10 @@
       </p:pic>
       <p:pic>
         <p:nvPicPr>
-          <p:cNvPr id="1030" name="Picture 6" descr="Data Science – Regressões com Python | iMasters">
-            <a:extLst>
-              <a:ext uri="{FF2B5EF4-FFF2-40B4-BE49-F238E27FC236}">
-                <a16:creationId xmlns:a16="http://schemas.microsoft.com/office/drawing/2014/main" id="{4C788604-543F-4D29-B1D2-0A3BFF9CD4D1}"/>
+          <p:cNvPr id="6" name="Picture 6" descr="Data Science – Regressões com Python | iMasters">
+            <a:extLst>
+              <a:ext uri="{FF2B5EF4-FFF2-40B4-BE49-F238E27FC236}">
+                <a16:creationId xmlns:a16="http://schemas.microsoft.com/office/drawing/2014/main" id="{FCDCD609-C9D1-4FBD-A5AA-2B2A675DFE83}"/>
               </a:ext>
             </a:extLst>
           </p:cNvPr>
@@ -4204,7 +4411,7 @@
     </p:spTree>
     <p:extLst>
       <p:ext uri="{BB962C8B-B14F-4D97-AF65-F5344CB8AC3E}">
-        <p14:creationId xmlns:p14="http://schemas.microsoft.com/office/powerpoint/2010/main" val="1912951368"/>
+        <p14:creationId xmlns:p14="http://schemas.microsoft.com/office/powerpoint/2010/main" val="4179713591"/>
       </p:ext>
     </p:extLst>
   </p:cSld>

--- a/Primeiros Passos - Análise de dados.pptx
+++ b/Primeiros Passos - Análise de dados.pptx
@@ -10135,26 +10135,26 @@
         </p:nvSpPr>
         <p:spPr>
           <a:xfrm>
-            <a:off x="838199" y="540972"/>
-            <a:ext cx="10515600" cy="1956044"/>
+            <a:off x="1924493" y="530339"/>
+            <a:ext cx="8928348" cy="1956044"/>
           </a:xfrm>
         </p:spPr>
         <p:txBody>
           <a:bodyPr>
-            <a:normAutofit fontScale="90000"/>
+            <a:noAutofit/>
           </a:bodyPr>
           <a:lstStyle/>
           <a:p>
             <a:pPr algn="ctr"/>
             <a:r>
-              <a:rPr lang="pt-BR" dirty="0"/>
-              <a:t>Para quem quiser se aventurar em novas análises, sugiro a leitura do manual do JASP:</a:t>
+              <a:rPr lang="pt-BR" sz="3600" dirty="0"/>
+              <a:t>Quem quiser se aventurar em novas análises, sugiro a leitura do manual do JASP:</a:t>
             </a:r>
             <a:br>
-              <a:rPr lang="pt-BR" dirty="0"/>
+              <a:rPr lang="pt-BR" sz="3600" dirty="0"/>
             </a:br>
             <a:r>
-              <a:rPr lang="pt-BR" u="sng" dirty="0">
+              <a:rPr lang="pt-BR" sz="3600" u="sng" dirty="0">
                 <a:solidFill>
                   <a:srgbClr val="0563C1"/>
                 </a:solidFill>
@@ -10166,13 +10166,13 @@
               <a:t>https://jasp-stats.org/jasp-materials/</a:t>
             </a:r>
             <a:br>
-              <a:rPr lang="pt-BR" dirty="0">
+              <a:rPr lang="pt-BR" sz="3600" dirty="0">
                 <a:effectLst/>
                 <a:ea typeface="Calibri" panose="020F0502020204030204" pitchFamily="34" charset="0"/>
                 <a:cs typeface="Times New Roman" panose="02020603050405020304" pitchFamily="18" charset="0"/>
               </a:rPr>
             </a:br>
-            <a:endParaRPr lang="pt-BR" dirty="0"/>
+            <a:endParaRPr lang="pt-BR" sz="3600" dirty="0"/>
           </a:p>
         </p:txBody>
       </p:sp>

--- a/Primeiros Passos - Análise de dados.pptx
+++ b/Primeiros Passos - Análise de dados.pptx
@@ -662,7 +662,7 @@
               </a:spcAft>
               <a:buNone/>
             </a:pPr>
-            <a:endParaRPr/>
+            <a:endParaRPr dirty="0"/>
           </a:p>
         </p:txBody>
       </p:sp>
@@ -4298,7 +4298,7 @@
             </a:pPr>
             <a:r>
               <a:rPr lang="pt-BR" sz="2000" i="1" dirty="0"/>
-              <a:t>Universidade São Franciso</a:t>
+              <a:t>Universidade São Francisco</a:t>
             </a:r>
           </a:p>
         </p:txBody>
@@ -9081,7 +9081,15 @@
             </a:r>
             <a:r>
               <a:rPr lang="pt-BR" dirty="0"/>
-              <a:t> predizer/explicar uma variável por meio de duas ou mais variáveis contínuas/intervalares</a:t>
+              <a:t> </a:t>
+            </a:r>
+            <a:r>
+              <a:rPr lang="pt-BR" b="1" dirty="0"/>
+              <a:t>predizer/explicar </a:t>
+            </a:r>
+            <a:r>
+              <a:rPr lang="pt-BR" dirty="0"/>
+              <a:t>uma variável por meio de duas ou mais variáveis contínuas/intervalares</a:t>
             </a:r>
           </a:p>
           <a:p>
